--- a/stats/collecting-data.pptx
+++ b/stats/collecting-data.pptx
@@ -11957,7 +11957,24 @@
                   <a:schemeClr val="bg1"/>
                 </a:solidFill>
               </a:rPr>
-              <a:t>(Should be a mix of students in each cluster, all clusters  same)</a:t>
+              <a:t>(Should be a mix of students in each cluster, all clusters </a:t>
+            </a:r>
+            <a:r>
+              <a:rPr lang="en-US" sz="1200" dirty="0">
+                <a:solidFill>
+                  <a:schemeClr val="bg1"/>
+                </a:solidFill>
+                <a:sym typeface="Wingdings" pitchFamily="2" charset="2"/>
+              </a:rPr>
+              <a:t></a:t>
+            </a:r>
+            <a:r>
+              <a:rPr lang="en-US" sz="1200" dirty="0">
+                <a:solidFill>
+                  <a:schemeClr val="bg1"/>
+                </a:solidFill>
+              </a:rPr>
+              <a:t> same)</a:t>
             </a:r>
           </a:p>
           <a:p>

--- a/stats/collecting-data.pptx
+++ b/stats/collecting-data.pptx
@@ -12706,7 +12706,7 @@
                 <a:cs typeface="Roboto Condensed"/>
                 <a:sym typeface="Roboto Condensed"/>
               </a:rPr>
-              <a:t>Parametric vs Statistic</a:t>
+              <a:t>Parameter vs Statistic</a:t>
             </a:r>
             <a:endParaRPr dirty="0">
               <a:solidFill>
